--- a/SEC/Coupling and Cohesion.pptx
+++ b/SEC/Coupling and Cohesion.pptx
@@ -949,7 +949,7 @@
           <a:p>
             <a:fld id="{7CF0BCE0-945C-4FDF-95A1-2149B1FF5B83}" type="datetimeFigureOut">
               <a:rPr lang="en-US" smtClean="0"/>
-              <a:t>4/7/2025</a:t>
+              <a:t>4/17/2025</a:t>
             </a:fld>
             <a:endParaRPr lang="en-US"/>
           </a:p>
@@ -1676,7 +1676,7 @@
           <a:p>
             <a:fld id="{7CF0BCE0-945C-4FDF-95A1-2149B1FF5B83}" type="datetimeFigureOut">
               <a:rPr lang="en-US" smtClean="0"/>
-              <a:t>4/7/2025</a:t>
+              <a:t>4/17/2025</a:t>
             </a:fld>
             <a:endParaRPr lang="en-US"/>
           </a:p>
@@ -2549,7 +2549,7 @@
           <a:p>
             <a:fld id="{7CF0BCE0-945C-4FDF-95A1-2149B1FF5B83}" type="datetimeFigureOut">
               <a:rPr lang="en-US" smtClean="0"/>
-              <a:t>4/7/2025</a:t>
+              <a:t>4/17/2025</a:t>
             </a:fld>
             <a:endParaRPr lang="en-US"/>
           </a:p>
@@ -3253,7 +3253,7 @@
           <a:p>
             <a:fld id="{7CF0BCE0-945C-4FDF-95A1-2149B1FF5B83}" type="datetimeFigureOut">
               <a:rPr lang="en-US" smtClean="0"/>
-              <a:t>4/7/2025</a:t>
+              <a:t>4/17/2025</a:t>
             </a:fld>
             <a:endParaRPr lang="en-US"/>
           </a:p>
@@ -3963,7 +3963,7 @@
           <a:p>
             <a:fld id="{7CF0BCE0-945C-4FDF-95A1-2149B1FF5B83}" type="datetimeFigureOut">
               <a:rPr lang="en-US" smtClean="0"/>
-              <a:t>4/7/2025</a:t>
+              <a:t>4/17/2025</a:t>
             </a:fld>
             <a:endParaRPr lang="en-US" dirty="0"/>
           </a:p>
@@ -4900,7 +4900,7 @@
           <a:p>
             <a:fld id="{7CF0BCE0-945C-4FDF-95A1-2149B1FF5B83}" type="datetimeFigureOut">
               <a:rPr lang="en-US" smtClean="0"/>
-              <a:t>4/7/2025</a:t>
+              <a:t>4/17/2025</a:t>
             </a:fld>
             <a:endParaRPr lang="en-US"/>
           </a:p>
@@ -6120,7 +6120,7 @@
           <a:p>
             <a:fld id="{7CF0BCE0-945C-4FDF-95A1-2149B1FF5B83}" type="datetimeFigureOut">
               <a:rPr lang="en-US" smtClean="0"/>
-              <a:t>4/7/2025</a:t>
+              <a:t>4/17/2025</a:t>
             </a:fld>
             <a:endParaRPr lang="en-US"/>
           </a:p>
@@ -6786,7 +6786,7 @@
           <a:p>
             <a:fld id="{7CF0BCE0-945C-4FDF-95A1-2149B1FF5B83}" type="datetimeFigureOut">
               <a:rPr lang="en-US" smtClean="0"/>
-              <a:t>4/7/2025</a:t>
+              <a:t>4/17/2025</a:t>
             </a:fld>
             <a:endParaRPr lang="en-US"/>
           </a:p>
@@ -7555,7 +7555,7 @@
           <a:p>
             <a:fld id="{7CF0BCE0-945C-4FDF-95A1-2149B1FF5B83}" type="datetimeFigureOut">
               <a:rPr lang="en-US" smtClean="0"/>
-              <a:t>4/7/2025</a:t>
+              <a:t>4/17/2025</a:t>
             </a:fld>
             <a:endParaRPr lang="en-US"/>
           </a:p>
@@ -8667,7 +8667,7 @@
           <a:p>
             <a:fld id="{7CF0BCE0-945C-4FDF-95A1-2149B1FF5B83}" type="datetimeFigureOut">
               <a:rPr lang="en-US" smtClean="0"/>
-              <a:t>4/7/2025</a:t>
+              <a:t>4/17/2025</a:t>
             </a:fld>
             <a:endParaRPr lang="en-US"/>
           </a:p>
@@ -9475,7 +9475,7 @@
           <a:p>
             <a:fld id="{7CF0BCE0-945C-4FDF-95A1-2149B1FF5B83}" type="datetimeFigureOut">
               <a:rPr lang="en-US" smtClean="0"/>
-              <a:t>4/7/2025</a:t>
+              <a:t>4/17/2025</a:t>
             </a:fld>
             <a:endParaRPr lang="en-US"/>
           </a:p>
@@ -9759,7 +9759,7 @@
             <a:fld id="{7CF0BCE0-945C-4FDF-95A1-2149B1FF5B83}" type="datetimeFigureOut">
               <a:rPr lang="en-US" smtClean="0"/>
               <a:pPr algn="r"/>
-              <a:t>4/7/2025</a:t>
+              <a:t>4/17/2025</a:t>
             </a:fld>
             <a:endParaRPr lang="en-US" dirty="0"/>
           </a:p>
